--- a/video_poster/PosterJenkins.pptx
+++ b/video_poster/PosterJenkins.pptx
@@ -64,7 +64,7 @@
         <p:spPr>
           <a:xfrm>
             <a:off x="1134000" y="3499560"/>
-            <a:ext cx="12850560" cy="7444080"/>
+            <a:ext cx="12850200" cy="7443720"/>
           </a:xfrm>
           <a:prstGeom prst="rect">
             <a:avLst/>
@@ -95,7 +95,7 @@
         <p:spPr>
           <a:xfrm>
             <a:off x="755640" y="5003640"/>
-            <a:ext cx="13606920" cy="5915520"/>
+            <a:ext cx="13606560" cy="5915520"/>
           </a:xfrm>
           <a:prstGeom prst="rect">
             <a:avLst/>
@@ -125,7 +125,7 @@
         <p:spPr>
           <a:xfrm>
             <a:off x="755640" y="11481480"/>
-            <a:ext cx="13606920" cy="5915520"/>
+            <a:ext cx="13606560" cy="5915520"/>
           </a:xfrm>
           <a:prstGeom prst="rect">
             <a:avLst/>
@@ -177,7 +177,7 @@
         <p:spPr>
           <a:xfrm>
             <a:off x="1134000" y="3499560"/>
-            <a:ext cx="12850560" cy="7444080"/>
+            <a:ext cx="12850200" cy="7443720"/>
           </a:xfrm>
           <a:prstGeom prst="rect">
             <a:avLst/>
@@ -350,7 +350,7 @@
         <p:spPr>
           <a:xfrm>
             <a:off x="1134000" y="3499560"/>
-            <a:ext cx="12850560" cy="7444080"/>
+            <a:ext cx="12850200" cy="7443720"/>
           </a:xfrm>
           <a:prstGeom prst="rect">
             <a:avLst/>
@@ -583,7 +583,7 @@
         <p:spPr>
           <a:xfrm>
             <a:off x="1134000" y="3499560"/>
-            <a:ext cx="12850560" cy="7444080"/>
+            <a:ext cx="12850200" cy="7443720"/>
           </a:xfrm>
           <a:prstGeom prst="rect">
             <a:avLst/>
@@ -614,7 +614,7 @@
         <p:spPr>
           <a:xfrm>
             <a:off x="755640" y="5003640"/>
-            <a:ext cx="13606920" cy="12402000"/>
+            <a:ext cx="13606560" cy="12401640"/>
           </a:xfrm>
           <a:prstGeom prst="rect">
             <a:avLst/>
@@ -667,7 +667,7 @@
         <p:spPr>
           <a:xfrm>
             <a:off x="1134000" y="3499560"/>
-            <a:ext cx="12850560" cy="7444080"/>
+            <a:ext cx="12850200" cy="7443720"/>
           </a:xfrm>
           <a:prstGeom prst="rect">
             <a:avLst/>
@@ -698,7 +698,7 @@
         <p:spPr>
           <a:xfrm>
             <a:off x="755640" y="5003640"/>
-            <a:ext cx="13606920" cy="12402000"/>
+            <a:ext cx="13606560" cy="12401640"/>
           </a:xfrm>
           <a:prstGeom prst="rect">
             <a:avLst/>
@@ -750,7 +750,7 @@
         <p:spPr>
           <a:xfrm>
             <a:off x="1134000" y="3499560"/>
-            <a:ext cx="12850560" cy="7444080"/>
+            <a:ext cx="12850200" cy="7443720"/>
           </a:xfrm>
           <a:prstGeom prst="rect">
             <a:avLst/>
@@ -781,7 +781,7 @@
         <p:spPr>
           <a:xfrm>
             <a:off x="755640" y="5003640"/>
-            <a:ext cx="6639840" cy="12402000"/>
+            <a:ext cx="6639840" cy="12401640"/>
           </a:xfrm>
           <a:prstGeom prst="rect">
             <a:avLst/>
@@ -811,7 +811,7 @@
         <p:spPr>
           <a:xfrm>
             <a:off x="7727760" y="5003640"/>
-            <a:ext cx="6639840" cy="12402000"/>
+            <a:ext cx="6639840" cy="12401640"/>
           </a:xfrm>
           <a:prstGeom prst="rect">
             <a:avLst/>
@@ -863,7 +863,7 @@
         <p:spPr>
           <a:xfrm>
             <a:off x="1134000" y="3499560"/>
-            <a:ext cx="12850560" cy="7444080"/>
+            <a:ext cx="12850200" cy="7443720"/>
           </a:xfrm>
           <a:prstGeom prst="rect">
             <a:avLst/>
@@ -916,7 +916,7 @@
         <p:spPr>
           <a:xfrm>
             <a:off x="1134000" y="3499560"/>
-            <a:ext cx="12850560" cy="34507440"/>
+            <a:ext cx="12850200" cy="34506000"/>
           </a:xfrm>
           <a:prstGeom prst="rect">
             <a:avLst/>
@@ -969,7 +969,7 @@
         <p:spPr>
           <a:xfrm>
             <a:off x="1134000" y="3499560"/>
-            <a:ext cx="12850560" cy="7444080"/>
+            <a:ext cx="12850200" cy="7443720"/>
           </a:xfrm>
           <a:prstGeom prst="rect">
             <a:avLst/>
@@ -1030,7 +1030,7 @@
         <p:spPr>
           <a:xfrm>
             <a:off x="7727760" y="5003640"/>
-            <a:ext cx="6639840" cy="12402000"/>
+            <a:ext cx="6639840" cy="12401640"/>
           </a:xfrm>
           <a:prstGeom prst="rect">
             <a:avLst/>
@@ -1112,7 +1112,7 @@
         <p:spPr>
           <a:xfrm>
             <a:off x="1134000" y="3499560"/>
-            <a:ext cx="12850560" cy="7444080"/>
+            <a:ext cx="12850200" cy="7443720"/>
           </a:xfrm>
           <a:prstGeom prst="rect">
             <a:avLst/>
@@ -1143,7 +1143,7 @@
         <p:spPr>
           <a:xfrm>
             <a:off x="755640" y="5003640"/>
-            <a:ext cx="6639840" cy="12402000"/>
+            <a:ext cx="6639840" cy="12401640"/>
           </a:xfrm>
           <a:prstGeom prst="rect">
             <a:avLst/>
@@ -1255,7 +1255,7 @@
         <p:spPr>
           <a:xfrm>
             <a:off x="1134000" y="3499560"/>
-            <a:ext cx="12850560" cy="7444080"/>
+            <a:ext cx="12850200" cy="7443720"/>
           </a:xfrm>
           <a:prstGeom prst="rect">
             <a:avLst/>
@@ -1346,7 +1346,7 @@
         <p:spPr>
           <a:xfrm>
             <a:off x="755640" y="11481480"/>
-            <a:ext cx="13606920" cy="5915520"/>
+            <a:ext cx="13606560" cy="5915520"/>
           </a:xfrm>
           <a:prstGeom prst="rect">
             <a:avLst/>
@@ -1405,7 +1405,7 @@
         <p:spPr>
           <a:xfrm>
             <a:off x="1134000" y="3499560"/>
-            <a:ext cx="12850560" cy="7444080"/>
+            <a:ext cx="12850200" cy="7443720"/>
           </a:xfrm>
           <a:prstGeom prst="rect">
             <a:avLst/>
@@ -1416,6 +1416,7 @@
             <a:noAutofit/>
           </a:bodyPr>
           <a:p>
+            <a:pPr algn="ctr"/>
             <a:r>
               <a:rPr b="0" lang="en-US" sz="1800" spc="-1" strike="noStrike">
                 <a:latin typeface="Arial"/>
@@ -1441,7 +1442,7 @@
         <p:spPr>
           <a:xfrm>
             <a:off x="755640" y="5003640"/>
-            <a:ext cx="13606920" cy="12402000"/>
+            <a:ext cx="13606560" cy="12401640"/>
           </a:xfrm>
           <a:prstGeom prst="rect">
             <a:avLst/>
@@ -1452,7 +1453,7 @@
             <a:normAutofit/>
           </a:bodyPr>
           <a:p>
-            <a:pPr marL="432000" indent="-324000">
+            <a:pPr marL="432000" indent="-324000" algn="ctr">
               <a:spcBef>
                 <a:spcPts val="1417"/>
               </a:spcBef>
@@ -1464,17 +1465,17 @@
               <a:buChar char=""/>
             </a:pPr>
             <a:r>
-              <a:rPr b="0" lang="en-US" sz="3200" spc="-1" strike="noStrike">
+              <a:rPr b="0" lang="en-US" sz="1800" spc="-1" strike="noStrike">
                 <a:latin typeface="Arial"/>
               </a:rPr>
               <a:t>Click to edit the outline text format</a:t>
             </a:r>
-            <a:endParaRPr b="0" lang="en-US" sz="3200" spc="-1" strike="noStrike">
-              <a:latin typeface="Arial"/>
-            </a:endParaRPr>
-          </a:p>
-          <a:p>
-            <a:pPr lvl="1" marL="864000" indent="-324000">
+            <a:endParaRPr b="0" lang="en-US" sz="1800" spc="-1" strike="noStrike">
+              <a:latin typeface="Arial"/>
+            </a:endParaRPr>
+          </a:p>
+          <a:p>
+            <a:pPr lvl="1" marL="864000" indent="-324000" algn="ctr">
               <a:spcBef>
                 <a:spcPts val="1134"/>
               </a:spcBef>
@@ -1486,17 +1487,17 @@
               <a:buChar char=""/>
             </a:pPr>
             <a:r>
-              <a:rPr b="0" lang="en-US" sz="2800" spc="-1" strike="noStrike">
+              <a:rPr b="0" lang="en-US" sz="1800" spc="-1" strike="noStrike">
                 <a:latin typeface="Arial"/>
               </a:rPr>
               <a:t>Second Outline Level</a:t>
             </a:r>
-            <a:endParaRPr b="0" lang="en-US" sz="2800" spc="-1" strike="noStrike">
-              <a:latin typeface="Arial"/>
-            </a:endParaRPr>
-          </a:p>
-          <a:p>
-            <a:pPr lvl="2" marL="1296000" indent="-288000">
+            <a:endParaRPr b="0" lang="en-US" sz="1800" spc="-1" strike="noStrike">
+              <a:latin typeface="Arial"/>
+            </a:endParaRPr>
+          </a:p>
+          <a:p>
+            <a:pPr lvl="2" marL="1296000" indent="-288000" algn="ctr">
               <a:spcBef>
                 <a:spcPts val="850"/>
               </a:spcBef>
@@ -1508,17 +1509,17 @@
               <a:buChar char=""/>
             </a:pPr>
             <a:r>
-              <a:rPr b="0" lang="en-US" sz="2400" spc="-1" strike="noStrike">
+              <a:rPr b="0" lang="en-US" sz="1800" spc="-1" strike="noStrike">
                 <a:latin typeface="Arial"/>
               </a:rPr>
               <a:t>Third Outline Level</a:t>
             </a:r>
-            <a:endParaRPr b="0" lang="en-US" sz="2400" spc="-1" strike="noStrike">
-              <a:latin typeface="Arial"/>
-            </a:endParaRPr>
-          </a:p>
-          <a:p>
-            <a:pPr lvl="3" marL="1728000" indent="-216000">
+            <a:endParaRPr b="0" lang="en-US" sz="1800" spc="-1" strike="noStrike">
+              <a:latin typeface="Arial"/>
+            </a:endParaRPr>
+          </a:p>
+          <a:p>
+            <a:pPr lvl="3" marL="1728000" indent="-216000" algn="ctr">
               <a:spcBef>
                 <a:spcPts val="567"/>
               </a:spcBef>
@@ -1530,17 +1531,17 @@
               <a:buChar char=""/>
             </a:pPr>
             <a:r>
-              <a:rPr b="0" lang="en-US" sz="2000" spc="-1" strike="noStrike">
+              <a:rPr b="0" lang="en-US" sz="1800" spc="-1" strike="noStrike">
                 <a:latin typeface="Arial"/>
               </a:rPr>
               <a:t>Fourth Outline Level</a:t>
             </a:r>
-            <a:endParaRPr b="0" lang="en-US" sz="2000" spc="-1" strike="noStrike">
-              <a:latin typeface="Arial"/>
-            </a:endParaRPr>
-          </a:p>
-          <a:p>
-            <a:pPr lvl="4" marL="2160000" indent="-216000">
+            <a:endParaRPr b="0" lang="en-US" sz="1800" spc="-1" strike="noStrike">
+              <a:latin typeface="Arial"/>
+            </a:endParaRPr>
+          </a:p>
+          <a:p>
+            <a:pPr lvl="4" marL="2160000" indent="-216000" algn="ctr">
               <a:spcBef>
                 <a:spcPts val="283"/>
               </a:spcBef>
@@ -1552,17 +1553,17 @@
               <a:buChar char=""/>
             </a:pPr>
             <a:r>
-              <a:rPr b="0" lang="en-US" sz="2000" spc="-1" strike="noStrike">
+              <a:rPr b="0" lang="en-US" sz="1800" spc="-1" strike="noStrike">
                 <a:latin typeface="Arial"/>
               </a:rPr>
               <a:t>Fifth Outline Level</a:t>
             </a:r>
-            <a:endParaRPr b="0" lang="en-US" sz="2000" spc="-1" strike="noStrike">
-              <a:latin typeface="Arial"/>
-            </a:endParaRPr>
-          </a:p>
-          <a:p>
-            <a:pPr lvl="5" marL="2592000" indent="-216000">
+            <a:endParaRPr b="0" lang="en-US" sz="1800" spc="-1" strike="noStrike">
+              <a:latin typeface="Arial"/>
+            </a:endParaRPr>
+          </a:p>
+          <a:p>
+            <a:pPr lvl="5" marL="2592000" indent="-216000" algn="ctr">
               <a:spcBef>
                 <a:spcPts val="283"/>
               </a:spcBef>
@@ -1574,17 +1575,17 @@
               <a:buChar char=""/>
             </a:pPr>
             <a:r>
-              <a:rPr b="0" lang="en-US" sz="2000" spc="-1" strike="noStrike">
+              <a:rPr b="0" lang="en-US" sz="1800" spc="-1" strike="noStrike">
                 <a:latin typeface="Arial"/>
               </a:rPr>
               <a:t>Sixth Outline Level</a:t>
             </a:r>
-            <a:endParaRPr b="0" lang="en-US" sz="2000" spc="-1" strike="noStrike">
-              <a:latin typeface="Arial"/>
-            </a:endParaRPr>
-          </a:p>
-          <a:p>
-            <a:pPr lvl="6" marL="3024000" indent="-216000">
+            <a:endParaRPr b="0" lang="en-US" sz="1800" spc="-1" strike="noStrike">
+              <a:latin typeface="Arial"/>
+            </a:endParaRPr>
+          </a:p>
+          <a:p>
+            <a:pPr lvl="6" marL="3024000" indent="-216000" algn="ctr">
               <a:spcBef>
                 <a:spcPts val="283"/>
               </a:spcBef>
@@ -1596,12 +1597,12 @@
               <a:buChar char=""/>
             </a:pPr>
             <a:r>
-              <a:rPr b="0" lang="en-US" sz="2000" spc="-1" strike="noStrike">
+              <a:rPr b="0" lang="en-US" sz="1800" spc="-1" strike="noStrike">
                 <a:latin typeface="Arial"/>
               </a:rPr>
               <a:t>Seventh Outline Level</a:t>
             </a:r>
-            <a:endParaRPr b="0" lang="en-US" sz="2000" spc="-1" strike="noStrike">
+            <a:endParaRPr b="0" lang="en-US" sz="1800" spc="-1" strike="noStrike">
               <a:latin typeface="Arial"/>
             </a:endParaRPr>
           </a:p>
@@ -1653,7 +1654,7 @@
         <p:spPr>
           <a:xfrm>
             <a:off x="3499920" y="20968200"/>
-            <a:ext cx="8638920" cy="2490120"/>
+            <a:ext cx="8638560" cy="2489760"/>
           </a:xfrm>
           <a:prstGeom prst="roundRect">
             <a:avLst>
@@ -1686,7 +1687,7 @@
         <p:spPr>
           <a:xfrm>
             <a:off x="0" y="0"/>
-            <a:ext cx="1156320" cy="21382920"/>
+            <a:ext cx="1155960" cy="21382560"/>
           </a:xfrm>
           <a:prstGeom prst="rect">
             <a:avLst/>
@@ -1705,7 +1706,7 @@
           <a:fontRef idx="minor"/>
         </p:style>
         <p:txBody>
-          <a:bodyPr vert="vert270" rot="16200000">
+          <a:bodyPr lIns="90000" rIns="90000" tIns="45000" bIns="45000" vert="vert270" rot="16200000">
             <a:noAutofit/>
           </a:bodyPr>
           <a:p>
@@ -1761,7 +1762,7 @@
         <p:spPr>
           <a:xfrm>
             <a:off x="1280160" y="273240"/>
-            <a:ext cx="11338920" cy="600120"/>
+            <a:ext cx="11338560" cy="599760"/>
           </a:xfrm>
           <a:prstGeom prst="rect">
             <a:avLst/>
@@ -1800,6 +1801,7 @@
                 </a:solidFill>
                 <a:uFillTx/>
                 <a:latin typeface="Calibri"/>
+                <a:ea typeface="DejaVu Sans"/>
               </a:rPr>
               <a:t>Premios Campalanes 2021</a:t>
             </a:r>
@@ -1818,7 +1820,7 @@
         <p:spPr>
           <a:xfrm>
             <a:off x="1371600" y="1329840"/>
-            <a:ext cx="11064240" cy="1870560"/>
+            <a:ext cx="11063880" cy="1870200"/>
           </a:xfrm>
           <a:prstGeom prst="rect">
             <a:avLst/>
@@ -1891,7 +1893,7 @@
         <p:spPr>
           <a:xfrm>
             <a:off x="1364040" y="7498080"/>
-            <a:ext cx="2842200" cy="9052920"/>
+            <a:ext cx="2841840" cy="9052560"/>
           </a:xfrm>
           <a:prstGeom prst="rect">
             <a:avLst/>
@@ -2463,7 +2465,7 @@
         <p:spPr>
           <a:xfrm>
             <a:off x="3895560" y="21015360"/>
-            <a:ext cx="8099640" cy="367560"/>
+            <a:ext cx="8099280" cy="367200"/>
           </a:xfrm>
           <a:prstGeom prst="rect">
             <a:avLst/>
@@ -2616,7 +2618,7 @@
         <p:spPr>
           <a:xfrm>
             <a:off x="1364040" y="3452040"/>
-            <a:ext cx="8785800" cy="2966040"/>
+            <a:ext cx="8785440" cy="2965680"/>
           </a:xfrm>
           <a:prstGeom prst="rect">
             <a:avLst/>
@@ -2748,7 +2750,7 @@
         <p:spPr>
           <a:xfrm>
             <a:off x="4579560" y="7088760"/>
-            <a:ext cx="10069200" cy="5255640"/>
+            <a:ext cx="10068840" cy="5255280"/>
           </a:xfrm>
           <a:prstGeom prst="rect">
             <a:avLst/>
@@ -2901,13 +2903,13 @@
         </p:nvPicPr>
         <p:blipFill>
           <a:blip r:embed="rId1"/>
-          <a:srcRect l="0" t="0" r="70327" b="0"/>
+          <a:srcRect l="0" t="0" r="70314" b="0"/>
           <a:stretch/>
         </p:blipFill>
         <p:spPr>
           <a:xfrm>
             <a:off x="13015800" y="273240"/>
-            <a:ext cx="2011680" cy="3266280"/>
+            <a:ext cx="2011320" cy="3265920"/>
           </a:xfrm>
           <a:prstGeom prst="rect">
             <a:avLst/>
@@ -2930,7 +2932,7 @@
         <p:spPr>
           <a:xfrm>
             <a:off x="3151080" y="13258800"/>
-            <a:ext cx="323640" cy="299160"/>
+            <a:ext cx="323280" cy="298800"/>
           </a:xfrm>
           <a:prstGeom prst="rect">
             <a:avLst/>
@@ -2953,7 +2955,7 @@
         <p:spPr>
           <a:xfrm>
             <a:off x="3108960" y="14264640"/>
-            <a:ext cx="358560" cy="358560"/>
+            <a:ext cx="358200" cy="358200"/>
           </a:xfrm>
           <a:prstGeom prst="rect">
             <a:avLst/>
@@ -2972,7 +2974,7 @@
         <p:spPr>
           <a:xfrm>
             <a:off x="4555440" y="12193560"/>
-            <a:ext cx="4630320" cy="5270040"/>
+            <a:ext cx="4629960" cy="5269680"/>
           </a:xfrm>
           <a:prstGeom prst="rect">
             <a:avLst/>
@@ -2998,7 +3000,7 @@
         <p:spPr>
           <a:xfrm>
             <a:off x="155520" y="-144360"/>
-            <a:ext cx="304200" cy="304200"/>
+            <a:ext cx="303840" cy="303840"/>
           </a:xfrm>
           <a:prstGeom prst="rect">
             <a:avLst/>
@@ -3024,7 +3026,7 @@
         <p:spPr>
           <a:xfrm>
             <a:off x="4579560" y="7719120"/>
-            <a:ext cx="9318960" cy="4168080"/>
+            <a:ext cx="9318600" cy="4167720"/>
           </a:xfrm>
           <a:prstGeom prst="rect">
             <a:avLst/>
@@ -3052,7 +3054,11 @@
             </a:pPr>
             <a:r>
               <a:rPr b="0" lang="en-US" sz="2400" spc="-1" strike="noStrike">
+                <a:solidFill>
+                  <a:srgbClr val="000000"/>
+                </a:solidFill>
                 <a:latin typeface="Arial"/>
+                <a:ea typeface="DejaVu Sans"/>
               </a:rPr>
               <a:t>Una investigación en profundidad para averiguar qué es, cómo funciona y cómo instalar Jenkins, también tuvo que investigar la configuración e implementación con Sonarqube.</a:t>
             </a:r>
@@ -3078,7 +3084,11 @@
             </a:pPr>
             <a:r>
               <a:rPr b="0" lang="en-US" sz="2400" spc="-1" strike="noStrike">
+                <a:solidFill>
+                  <a:srgbClr val="000000"/>
+                </a:solidFill>
                 <a:latin typeface="Arial"/>
+                <a:ea typeface="DejaVu Sans"/>
               </a:rPr>
               <a:t>Las diferentes pruebas fueron realizadas por diferentes repositorios de prueba con códigos variables.</a:t>
             </a:r>
@@ -3104,7 +3114,11 @@
             </a:pPr>
             <a:r>
               <a:rPr b="0" lang="en-US" sz="2400" spc="-1" strike="noStrike">
+                <a:solidFill>
+                  <a:srgbClr val="000000"/>
+                </a:solidFill>
                 <a:latin typeface="Arial"/>
+                <a:ea typeface="DejaVu Sans"/>
               </a:rPr>
               <a:t>Toda la documentación fue hecha mientras se realizaba las diferentes pruebas.</a:t>
             </a:r>
@@ -3130,7 +3144,11 @@
             </a:pPr>
             <a:r>
               <a:rPr b="0" lang="en-US" sz="2400" spc="-1" strike="noStrike">
+                <a:solidFill>
+                  <a:srgbClr val="000000"/>
+                </a:solidFill>
                 <a:latin typeface="Arial"/>
+                <a:ea typeface="DejaVu Sans"/>
               </a:rPr>
               <a:t>El github contiene toda la documentación de la configuración e instalación de todo el sitema.</a:t>
             </a:r>
@@ -3186,7 +3204,11 @@
             </a:pPr>
             <a:r>
               <a:rPr b="0" lang="en-US" sz="2400" spc="-1" strike="noStrike">
+                <a:solidFill>
+                  <a:srgbClr val="000000"/>
+                </a:solidFill>
                 <a:latin typeface="Arial"/>
+                <a:ea typeface="DejaVu Sans"/>
               </a:rPr>
               <a:t> </a:t>
             </a:r>
@@ -3209,7 +3231,7 @@
         <p:spPr>
           <a:xfrm>
             <a:off x="10557360" y="4572000"/>
-            <a:ext cx="4073040" cy="1311120"/>
+            <a:ext cx="4072680" cy="1310760"/>
           </a:xfrm>
           <a:prstGeom prst="rect">
             <a:avLst/>
@@ -3235,7 +3257,7 @@
         <p:spPr>
           <a:xfrm>
             <a:off x="4663440" y="12801600"/>
-            <a:ext cx="9235440" cy="4847400"/>
+            <a:ext cx="9235080" cy="4847040"/>
           </a:xfrm>
           <a:prstGeom prst="rect">
             <a:avLst/>
@@ -3250,14 +3272,14 @@
       </p:pic>
       <p:sp>
         <p:nvSpPr>
-          <p:cNvPr id="54" name="TextShape 12"/>
-          <p:cNvSpPr txBox="1"/>
+          <p:cNvPr id="54" name="CustomShape 12"/>
+          <p:cNvSpPr/>
           <p:nvPr/>
         </p:nvSpPr>
         <p:spPr>
           <a:xfrm>
             <a:off x="4663440" y="18613440"/>
-            <a:ext cx="9235440" cy="497520"/>
+            <a:ext cx="9235080" cy="497160"/>
           </a:xfrm>
           <a:prstGeom prst="rect">
             <a:avLst/>
@@ -3267,6 +3289,12 @@
             <a:noFill/>
           </a:ln>
         </p:spPr>
+        <p:style>
+          <a:lnRef idx="0"/>
+          <a:fillRef idx="0"/>
+          <a:effectRef idx="0"/>
+          <a:fontRef idx="minor"/>
+        </p:style>
         <p:txBody>
           <a:bodyPr lIns="90000" rIns="90000" tIns="45000" bIns="45000">
             <a:noAutofit/>
@@ -3302,14 +3330,14 @@
       </p:sp>
       <p:sp>
         <p:nvSpPr>
-          <p:cNvPr id="55" name="TextShape 13"/>
-          <p:cNvSpPr txBox="1"/>
+          <p:cNvPr id="55" name="CustomShape 13"/>
+          <p:cNvSpPr/>
           <p:nvPr/>
         </p:nvSpPr>
         <p:spPr>
           <a:xfrm>
             <a:off x="4572000" y="19202400"/>
-            <a:ext cx="9326880" cy="1645920"/>
+            <a:ext cx="9326520" cy="1645560"/>
           </a:xfrm>
           <a:prstGeom prst="rect">
             <a:avLst/>
@@ -3319,22 +3347,38 @@
             <a:noFill/>
           </a:ln>
         </p:spPr>
+        <p:style>
+          <a:lnRef idx="0"/>
+          <a:fillRef idx="0"/>
+          <a:effectRef idx="0"/>
+          <a:fontRef idx="minor"/>
+        </p:style>
         <p:txBody>
           <a:bodyPr lIns="90000" rIns="90000" tIns="45000" bIns="45000">
             <a:noAutofit/>
           </a:bodyPr>
           <a:p>
+            <a:pPr>
+              <a:lnSpc>
+                <a:spcPct val="100000"/>
+              </a:lnSpc>
+            </a:pPr>
             <a:r>
               <a:rPr b="0" lang="en-US" sz="2400" spc="-1" strike="noStrike">
                 <a:latin typeface="Arial"/>
               </a:rPr>
-              <a:t>Gracias a este proyecto facilitará el trabajo de aquellas personas que tiene que pasar horas corrigiendo un programa, con un solo botón podrá ver el resultado de evalluación de cada código.</a:t>
+              <a:t>Gracias a este proyecto facilitará el trabajo de aquellas personas que tienen que pasar horas corrigiendo un programa, con un solo botón podrá ver el resultado de evalluación de cada código.</a:t>
             </a:r>
             <a:endParaRPr b="0" lang="en-US" sz="2400" spc="-1" strike="noStrike">
               <a:latin typeface="Arial"/>
             </a:endParaRPr>
           </a:p>
           <a:p>
+            <a:pPr>
+              <a:lnSpc>
+                <a:spcPct val="100000"/>
+              </a:lnSpc>
+            </a:pPr>
             <a:endParaRPr b="0" lang="en-US" sz="2400" spc="-1" strike="noStrike">
               <a:latin typeface="Arial"/>
             </a:endParaRPr>

--- a/video_poster/PosterJenkins.pptx
+++ b/video_poster/PosterJenkins.pptx
@@ -53,7 +53,7 @@
       </p:grpSpPr>
       <p:sp>
         <p:nvSpPr>
-          <p:cNvPr id="23" name="PlaceHolder 1"/>
+          <p:cNvPr id="21" name="PlaceHolder 1"/>
           <p:cNvSpPr>
             <a:spLocks noGrp="1"/>
           </p:cNvSpPr>
@@ -63,8 +63,8 @@
         </p:nvSpPr>
         <p:spPr>
           <a:xfrm>
-            <a:off x="1134000" y="3499560"/>
-            <a:ext cx="12850200" cy="7443720"/>
+            <a:off x="755640" y="853200"/>
+            <a:ext cx="13606920" cy="3570480"/>
           </a:xfrm>
           <a:prstGeom prst="rect">
             <a:avLst/>
@@ -84,7 +84,7 @@
       </p:sp>
       <p:sp>
         <p:nvSpPr>
-          <p:cNvPr id="24" name="PlaceHolder 2"/>
+          <p:cNvPr id="22" name="PlaceHolder 2"/>
           <p:cNvSpPr>
             <a:spLocks noGrp="1"/>
           </p:cNvSpPr>
@@ -95,7 +95,7 @@
         <p:spPr>
           <a:xfrm>
             <a:off x="755640" y="5003640"/>
-            <a:ext cx="13606560" cy="5915520"/>
+            <a:ext cx="13606920" cy="5915520"/>
           </a:xfrm>
           <a:prstGeom prst="rect">
             <a:avLst/>
@@ -114,7 +114,7 @@
       </p:sp>
       <p:sp>
         <p:nvSpPr>
-          <p:cNvPr id="25" name="PlaceHolder 3"/>
+          <p:cNvPr id="23" name="PlaceHolder 3"/>
           <p:cNvSpPr>
             <a:spLocks noGrp="1"/>
           </p:cNvSpPr>
@@ -125,7 +125,7 @@
         <p:spPr>
           <a:xfrm>
             <a:off x="755640" y="11481480"/>
-            <a:ext cx="13606560" cy="5915520"/>
+            <a:ext cx="13606920" cy="5915520"/>
           </a:xfrm>
           <a:prstGeom prst="rect">
             <a:avLst/>
@@ -166,7 +166,7 @@
       </p:grpSpPr>
       <p:sp>
         <p:nvSpPr>
-          <p:cNvPr id="26" name="PlaceHolder 1"/>
+          <p:cNvPr id="24" name="PlaceHolder 1"/>
           <p:cNvSpPr>
             <a:spLocks noGrp="1"/>
           </p:cNvSpPr>
@@ -176,8 +176,8 @@
         </p:nvSpPr>
         <p:spPr>
           <a:xfrm>
-            <a:off x="1134000" y="3499560"/>
-            <a:ext cx="12850200" cy="7443720"/>
+            <a:off x="755640" y="853200"/>
+            <a:ext cx="13606920" cy="3570480"/>
           </a:xfrm>
           <a:prstGeom prst="rect">
             <a:avLst/>
@@ -197,7 +197,7 @@
       </p:sp>
       <p:sp>
         <p:nvSpPr>
-          <p:cNvPr id="27" name="PlaceHolder 2"/>
+          <p:cNvPr id="25" name="PlaceHolder 2"/>
           <p:cNvSpPr>
             <a:spLocks noGrp="1"/>
           </p:cNvSpPr>
@@ -227,7 +227,7 @@
       </p:sp>
       <p:sp>
         <p:nvSpPr>
-          <p:cNvPr id="28" name="PlaceHolder 3"/>
+          <p:cNvPr id="26" name="PlaceHolder 3"/>
           <p:cNvSpPr>
             <a:spLocks noGrp="1"/>
           </p:cNvSpPr>
@@ -257,7 +257,7 @@
       </p:sp>
       <p:sp>
         <p:nvSpPr>
-          <p:cNvPr id="29" name="PlaceHolder 4"/>
+          <p:cNvPr id="27" name="PlaceHolder 4"/>
           <p:cNvSpPr>
             <a:spLocks noGrp="1"/>
           </p:cNvSpPr>
@@ -287,7 +287,7 @@
       </p:sp>
       <p:sp>
         <p:nvSpPr>
-          <p:cNvPr id="30" name="PlaceHolder 5"/>
+          <p:cNvPr id="28" name="PlaceHolder 5"/>
           <p:cNvSpPr>
             <a:spLocks noGrp="1"/>
           </p:cNvSpPr>
@@ -339,7 +339,7 @@
       </p:grpSpPr>
       <p:sp>
         <p:nvSpPr>
-          <p:cNvPr id="31" name="PlaceHolder 1"/>
+          <p:cNvPr id="29" name="PlaceHolder 1"/>
           <p:cNvSpPr>
             <a:spLocks noGrp="1"/>
           </p:cNvSpPr>
@@ -349,8 +349,8 @@
         </p:nvSpPr>
         <p:spPr>
           <a:xfrm>
-            <a:off x="1134000" y="3499560"/>
-            <a:ext cx="12850200" cy="7443720"/>
+            <a:off x="755640" y="853200"/>
+            <a:ext cx="13606920" cy="3570480"/>
           </a:xfrm>
           <a:prstGeom prst="rect">
             <a:avLst/>
@@ -370,7 +370,7 @@
       </p:sp>
       <p:sp>
         <p:nvSpPr>
-          <p:cNvPr id="32" name="PlaceHolder 2"/>
+          <p:cNvPr id="30" name="PlaceHolder 2"/>
           <p:cNvSpPr>
             <a:spLocks noGrp="1"/>
           </p:cNvSpPr>
@@ -400,7 +400,7 @@
       </p:sp>
       <p:sp>
         <p:nvSpPr>
-          <p:cNvPr id="33" name="PlaceHolder 3"/>
+          <p:cNvPr id="31" name="PlaceHolder 3"/>
           <p:cNvSpPr>
             <a:spLocks noGrp="1"/>
           </p:cNvSpPr>
@@ -430,7 +430,7 @@
       </p:sp>
       <p:sp>
         <p:nvSpPr>
-          <p:cNvPr id="34" name="PlaceHolder 4"/>
+          <p:cNvPr id="32" name="PlaceHolder 4"/>
           <p:cNvSpPr>
             <a:spLocks noGrp="1"/>
           </p:cNvSpPr>
@@ -460,7 +460,7 @@
       </p:sp>
       <p:sp>
         <p:nvSpPr>
-          <p:cNvPr id="35" name="PlaceHolder 5"/>
+          <p:cNvPr id="33" name="PlaceHolder 5"/>
           <p:cNvSpPr>
             <a:spLocks noGrp="1"/>
           </p:cNvSpPr>
@@ -490,7 +490,7 @@
       </p:sp>
       <p:sp>
         <p:nvSpPr>
-          <p:cNvPr id="36" name="PlaceHolder 6"/>
+          <p:cNvPr id="34" name="PlaceHolder 6"/>
           <p:cNvSpPr>
             <a:spLocks noGrp="1"/>
           </p:cNvSpPr>
@@ -520,7 +520,7 @@
       </p:sp>
       <p:sp>
         <p:nvSpPr>
-          <p:cNvPr id="37" name="PlaceHolder 7"/>
+          <p:cNvPr id="35" name="PlaceHolder 7"/>
           <p:cNvSpPr>
             <a:spLocks noGrp="1"/>
           </p:cNvSpPr>
@@ -572,7 +572,7 @@
       </p:grpSpPr>
       <p:sp>
         <p:nvSpPr>
-          <p:cNvPr id="2" name="PlaceHolder 1"/>
+          <p:cNvPr id="0" name="PlaceHolder 1"/>
           <p:cNvSpPr>
             <a:spLocks noGrp="1"/>
           </p:cNvSpPr>
@@ -582,8 +582,8 @@
         </p:nvSpPr>
         <p:spPr>
           <a:xfrm>
-            <a:off x="1134000" y="3499560"/>
-            <a:ext cx="12850200" cy="7443720"/>
+            <a:off x="755640" y="853200"/>
+            <a:ext cx="13606920" cy="3570480"/>
           </a:xfrm>
           <a:prstGeom prst="rect">
             <a:avLst/>
@@ -603,7 +603,7 @@
       </p:sp>
       <p:sp>
         <p:nvSpPr>
-          <p:cNvPr id="3" name="PlaceHolder 2"/>
+          <p:cNvPr id="1" name="PlaceHolder 2"/>
           <p:cNvSpPr>
             <a:spLocks noGrp="1"/>
           </p:cNvSpPr>
@@ -614,7 +614,7 @@
         <p:spPr>
           <a:xfrm>
             <a:off x="755640" y="5003640"/>
-            <a:ext cx="13606560" cy="12401640"/>
+            <a:ext cx="13606920" cy="12402000"/>
           </a:xfrm>
           <a:prstGeom prst="rect">
             <a:avLst/>
@@ -656,7 +656,7 @@
       </p:grpSpPr>
       <p:sp>
         <p:nvSpPr>
-          <p:cNvPr id="4" name="PlaceHolder 1"/>
+          <p:cNvPr id="2" name="PlaceHolder 1"/>
           <p:cNvSpPr>
             <a:spLocks noGrp="1"/>
           </p:cNvSpPr>
@@ -666,8 +666,8 @@
         </p:nvSpPr>
         <p:spPr>
           <a:xfrm>
-            <a:off x="1134000" y="3499560"/>
-            <a:ext cx="12850200" cy="7443720"/>
+            <a:off x="755640" y="853200"/>
+            <a:ext cx="13606920" cy="3570480"/>
           </a:xfrm>
           <a:prstGeom prst="rect">
             <a:avLst/>
@@ -687,7 +687,7 @@
       </p:sp>
       <p:sp>
         <p:nvSpPr>
-          <p:cNvPr id="5" name="PlaceHolder 2"/>
+          <p:cNvPr id="3" name="PlaceHolder 2"/>
           <p:cNvSpPr>
             <a:spLocks noGrp="1"/>
           </p:cNvSpPr>
@@ -698,7 +698,7 @@
         <p:spPr>
           <a:xfrm>
             <a:off x="755640" y="5003640"/>
-            <a:ext cx="13606560" cy="12401640"/>
+            <a:ext cx="13606920" cy="12402000"/>
           </a:xfrm>
           <a:prstGeom prst="rect">
             <a:avLst/>
@@ -739,7 +739,7 @@
       </p:grpSpPr>
       <p:sp>
         <p:nvSpPr>
-          <p:cNvPr id="6" name="PlaceHolder 1"/>
+          <p:cNvPr id="4" name="PlaceHolder 1"/>
           <p:cNvSpPr>
             <a:spLocks noGrp="1"/>
           </p:cNvSpPr>
@@ -749,8 +749,8 @@
         </p:nvSpPr>
         <p:spPr>
           <a:xfrm>
-            <a:off x="1134000" y="3499560"/>
-            <a:ext cx="12850200" cy="7443720"/>
+            <a:off x="755640" y="853200"/>
+            <a:ext cx="13606920" cy="3570480"/>
           </a:xfrm>
           <a:prstGeom prst="rect">
             <a:avLst/>
@@ -770,7 +770,7 @@
       </p:sp>
       <p:sp>
         <p:nvSpPr>
-          <p:cNvPr id="7" name="PlaceHolder 2"/>
+          <p:cNvPr id="5" name="PlaceHolder 2"/>
           <p:cNvSpPr>
             <a:spLocks noGrp="1"/>
           </p:cNvSpPr>
@@ -781,7 +781,7 @@
         <p:spPr>
           <a:xfrm>
             <a:off x="755640" y="5003640"/>
-            <a:ext cx="6639840" cy="12401640"/>
+            <a:ext cx="6639840" cy="12402000"/>
           </a:xfrm>
           <a:prstGeom prst="rect">
             <a:avLst/>
@@ -800,7 +800,7 @@
       </p:sp>
       <p:sp>
         <p:nvSpPr>
-          <p:cNvPr id="8" name="PlaceHolder 3"/>
+          <p:cNvPr id="6" name="PlaceHolder 3"/>
           <p:cNvSpPr>
             <a:spLocks noGrp="1"/>
           </p:cNvSpPr>
@@ -811,7 +811,7 @@
         <p:spPr>
           <a:xfrm>
             <a:off x="7727760" y="5003640"/>
-            <a:ext cx="6639840" cy="12401640"/>
+            <a:ext cx="6639840" cy="12402000"/>
           </a:xfrm>
           <a:prstGeom prst="rect">
             <a:avLst/>
@@ -852,7 +852,7 @@
       </p:grpSpPr>
       <p:sp>
         <p:nvSpPr>
-          <p:cNvPr id="9" name="PlaceHolder 1"/>
+          <p:cNvPr id="7" name="PlaceHolder 1"/>
           <p:cNvSpPr>
             <a:spLocks noGrp="1"/>
           </p:cNvSpPr>
@@ -862,8 +862,8 @@
         </p:nvSpPr>
         <p:spPr>
           <a:xfrm>
-            <a:off x="1134000" y="3499560"/>
-            <a:ext cx="12850200" cy="7443720"/>
+            <a:off x="755640" y="853200"/>
+            <a:ext cx="13606920" cy="3570480"/>
           </a:xfrm>
           <a:prstGeom prst="rect">
             <a:avLst/>
@@ -905,7 +905,7 @@
       </p:grpSpPr>
       <p:sp>
         <p:nvSpPr>
-          <p:cNvPr id="10" name="PlaceHolder 1"/>
+          <p:cNvPr id="8" name="PlaceHolder 1"/>
           <p:cNvSpPr>
             <a:spLocks noGrp="1"/>
           </p:cNvSpPr>
@@ -915,8 +915,8 @@
         </p:nvSpPr>
         <p:spPr>
           <a:xfrm>
-            <a:off x="1134000" y="3499560"/>
-            <a:ext cx="12850200" cy="34506000"/>
+            <a:off x="755640" y="853200"/>
+            <a:ext cx="13606920" cy="16552080"/>
           </a:xfrm>
           <a:prstGeom prst="rect">
             <a:avLst/>
@@ -958,7 +958,7 @@
       </p:grpSpPr>
       <p:sp>
         <p:nvSpPr>
-          <p:cNvPr id="11" name="PlaceHolder 1"/>
+          <p:cNvPr id="9" name="PlaceHolder 1"/>
           <p:cNvSpPr>
             <a:spLocks noGrp="1"/>
           </p:cNvSpPr>
@@ -968,8 +968,8 @@
         </p:nvSpPr>
         <p:spPr>
           <a:xfrm>
-            <a:off x="1134000" y="3499560"/>
-            <a:ext cx="12850200" cy="7443720"/>
+            <a:off x="755640" y="853200"/>
+            <a:ext cx="13606920" cy="3570480"/>
           </a:xfrm>
           <a:prstGeom prst="rect">
             <a:avLst/>
@@ -989,7 +989,7 @@
       </p:sp>
       <p:sp>
         <p:nvSpPr>
-          <p:cNvPr id="12" name="PlaceHolder 2"/>
+          <p:cNvPr id="10" name="PlaceHolder 2"/>
           <p:cNvSpPr>
             <a:spLocks noGrp="1"/>
           </p:cNvSpPr>
@@ -1019,7 +1019,7 @@
       </p:sp>
       <p:sp>
         <p:nvSpPr>
-          <p:cNvPr id="13" name="PlaceHolder 3"/>
+          <p:cNvPr id="11" name="PlaceHolder 3"/>
           <p:cNvSpPr>
             <a:spLocks noGrp="1"/>
           </p:cNvSpPr>
@@ -1030,7 +1030,7 @@
         <p:spPr>
           <a:xfrm>
             <a:off x="7727760" y="5003640"/>
-            <a:ext cx="6639840" cy="12401640"/>
+            <a:ext cx="6639840" cy="12402000"/>
           </a:xfrm>
           <a:prstGeom prst="rect">
             <a:avLst/>
@@ -1049,7 +1049,7 @@
       </p:sp>
       <p:sp>
         <p:nvSpPr>
-          <p:cNvPr id="14" name="PlaceHolder 4"/>
+          <p:cNvPr id="12" name="PlaceHolder 4"/>
           <p:cNvSpPr>
             <a:spLocks noGrp="1"/>
           </p:cNvSpPr>
@@ -1101,7 +1101,7 @@
       </p:grpSpPr>
       <p:sp>
         <p:nvSpPr>
-          <p:cNvPr id="15" name="PlaceHolder 1"/>
+          <p:cNvPr id="13" name="PlaceHolder 1"/>
           <p:cNvSpPr>
             <a:spLocks noGrp="1"/>
           </p:cNvSpPr>
@@ -1111,8 +1111,8 @@
         </p:nvSpPr>
         <p:spPr>
           <a:xfrm>
-            <a:off x="1134000" y="3499560"/>
-            <a:ext cx="12850200" cy="7443720"/>
+            <a:off x="755640" y="853200"/>
+            <a:ext cx="13606920" cy="3570480"/>
           </a:xfrm>
           <a:prstGeom prst="rect">
             <a:avLst/>
@@ -1132,7 +1132,7 @@
       </p:sp>
       <p:sp>
         <p:nvSpPr>
-          <p:cNvPr id="16" name="PlaceHolder 2"/>
+          <p:cNvPr id="14" name="PlaceHolder 2"/>
           <p:cNvSpPr>
             <a:spLocks noGrp="1"/>
           </p:cNvSpPr>
@@ -1143,7 +1143,7 @@
         <p:spPr>
           <a:xfrm>
             <a:off x="755640" y="5003640"/>
-            <a:ext cx="6639840" cy="12401640"/>
+            <a:ext cx="6639840" cy="12402000"/>
           </a:xfrm>
           <a:prstGeom prst="rect">
             <a:avLst/>
@@ -1162,7 +1162,7 @@
       </p:sp>
       <p:sp>
         <p:nvSpPr>
-          <p:cNvPr id="17" name="PlaceHolder 3"/>
+          <p:cNvPr id="15" name="PlaceHolder 3"/>
           <p:cNvSpPr>
             <a:spLocks noGrp="1"/>
           </p:cNvSpPr>
@@ -1192,7 +1192,7 @@
       </p:sp>
       <p:sp>
         <p:nvSpPr>
-          <p:cNvPr id="18" name="PlaceHolder 4"/>
+          <p:cNvPr id="16" name="PlaceHolder 4"/>
           <p:cNvSpPr>
             <a:spLocks noGrp="1"/>
           </p:cNvSpPr>
@@ -1244,7 +1244,7 @@
       </p:grpSpPr>
       <p:sp>
         <p:nvSpPr>
-          <p:cNvPr id="19" name="PlaceHolder 1"/>
+          <p:cNvPr id="17" name="PlaceHolder 1"/>
           <p:cNvSpPr>
             <a:spLocks noGrp="1"/>
           </p:cNvSpPr>
@@ -1254,8 +1254,8 @@
         </p:nvSpPr>
         <p:spPr>
           <a:xfrm>
-            <a:off x="1134000" y="3499560"/>
-            <a:ext cx="12850200" cy="7443720"/>
+            <a:off x="755640" y="853200"/>
+            <a:ext cx="13606920" cy="3570480"/>
           </a:xfrm>
           <a:prstGeom prst="rect">
             <a:avLst/>
@@ -1275,7 +1275,7 @@
       </p:sp>
       <p:sp>
         <p:nvSpPr>
-          <p:cNvPr id="20" name="PlaceHolder 2"/>
+          <p:cNvPr id="18" name="PlaceHolder 2"/>
           <p:cNvSpPr>
             <a:spLocks noGrp="1"/>
           </p:cNvSpPr>
@@ -1305,7 +1305,7 @@
       </p:sp>
       <p:sp>
         <p:nvSpPr>
-          <p:cNvPr id="21" name="PlaceHolder 3"/>
+          <p:cNvPr id="19" name="PlaceHolder 3"/>
           <p:cNvSpPr>
             <a:spLocks noGrp="1"/>
           </p:cNvSpPr>
@@ -1335,7 +1335,7 @@
       </p:sp>
       <p:sp>
         <p:nvSpPr>
-          <p:cNvPr id="22" name="PlaceHolder 4"/>
+          <p:cNvPr id="20" name="PlaceHolder 4"/>
           <p:cNvSpPr>
             <a:spLocks noGrp="1"/>
           </p:cNvSpPr>
@@ -1346,7 +1346,7 @@
         <p:spPr>
           <a:xfrm>
             <a:off x="755640" y="11481480"/>
-            <a:ext cx="13606560" cy="5915520"/>
+            <a:ext cx="13606920" cy="5915520"/>
           </a:xfrm>
           <a:prstGeom prst="rect">
             <a:avLst/>
@@ -1392,222 +1392,6 @@
           <a:chExt cx="0" cy="0"/>
         </a:xfrm>
       </p:grpSpPr>
-      <p:sp>
-        <p:nvSpPr>
-          <p:cNvPr id="0" name="PlaceHolder 1"/>
-          <p:cNvSpPr>
-            <a:spLocks noGrp="1"/>
-          </p:cNvSpPr>
-          <p:nvPr>
-            <p:ph type="title"/>
-          </p:nvPr>
-        </p:nvSpPr>
-        <p:spPr>
-          <a:xfrm>
-            <a:off x="1134000" y="3499560"/>
-            <a:ext cx="12850200" cy="7443720"/>
-          </a:xfrm>
-          <a:prstGeom prst="rect">
-            <a:avLst/>
-          </a:prstGeom>
-        </p:spPr>
-        <p:txBody>
-          <a:bodyPr lIns="0" rIns="0" tIns="0" bIns="0" anchor="ctr">
-            <a:noAutofit/>
-          </a:bodyPr>
-          <a:p>
-            <a:pPr algn="ctr"/>
-            <a:r>
-              <a:rPr b="0" lang="en-US" sz="1800" spc="-1" strike="noStrike">
-                <a:latin typeface="Arial"/>
-              </a:rPr>
-              <a:t>Click to edit the title text format</a:t>
-            </a:r>
-            <a:endParaRPr b="0" lang="en-US" sz="1800" spc="-1" strike="noStrike">
-              <a:latin typeface="Arial"/>
-            </a:endParaRPr>
-          </a:p>
-        </p:txBody>
-      </p:sp>
-      <p:sp>
-        <p:nvSpPr>
-          <p:cNvPr id="1" name="PlaceHolder 2"/>
-          <p:cNvSpPr>
-            <a:spLocks noGrp="1"/>
-          </p:cNvSpPr>
-          <p:nvPr>
-            <p:ph type="body"/>
-          </p:nvPr>
-        </p:nvSpPr>
-        <p:spPr>
-          <a:xfrm>
-            <a:off x="755640" y="5003640"/>
-            <a:ext cx="13606560" cy="12401640"/>
-          </a:xfrm>
-          <a:prstGeom prst="rect">
-            <a:avLst/>
-          </a:prstGeom>
-        </p:spPr>
-        <p:txBody>
-          <a:bodyPr lIns="0" rIns="0" tIns="0" bIns="0">
-            <a:normAutofit/>
-          </a:bodyPr>
-          <a:p>
-            <a:pPr marL="432000" indent="-324000" algn="ctr">
-              <a:spcBef>
-                <a:spcPts val="1417"/>
-              </a:spcBef>
-              <a:buClr>
-                <a:srgbClr val="000000"/>
-              </a:buClr>
-              <a:buSzPct val="45000"/>
-              <a:buFont typeface="Wingdings" charset="2"/>
-              <a:buChar char=""/>
-            </a:pPr>
-            <a:r>
-              <a:rPr b="0" lang="en-US" sz="1800" spc="-1" strike="noStrike">
-                <a:latin typeface="Arial"/>
-              </a:rPr>
-              <a:t>Click to edit the outline text format</a:t>
-            </a:r>
-            <a:endParaRPr b="0" lang="en-US" sz="1800" spc="-1" strike="noStrike">
-              <a:latin typeface="Arial"/>
-            </a:endParaRPr>
-          </a:p>
-          <a:p>
-            <a:pPr lvl="1" marL="864000" indent="-324000" algn="ctr">
-              <a:spcBef>
-                <a:spcPts val="1134"/>
-              </a:spcBef>
-              <a:buClr>
-                <a:srgbClr val="000000"/>
-              </a:buClr>
-              <a:buSzPct val="75000"/>
-              <a:buFont typeface="Symbol" charset="2"/>
-              <a:buChar char=""/>
-            </a:pPr>
-            <a:r>
-              <a:rPr b="0" lang="en-US" sz="1800" spc="-1" strike="noStrike">
-                <a:latin typeface="Arial"/>
-              </a:rPr>
-              <a:t>Second Outline Level</a:t>
-            </a:r>
-            <a:endParaRPr b="0" lang="en-US" sz="1800" spc="-1" strike="noStrike">
-              <a:latin typeface="Arial"/>
-            </a:endParaRPr>
-          </a:p>
-          <a:p>
-            <a:pPr lvl="2" marL="1296000" indent="-288000" algn="ctr">
-              <a:spcBef>
-                <a:spcPts val="850"/>
-              </a:spcBef>
-              <a:buClr>
-                <a:srgbClr val="000000"/>
-              </a:buClr>
-              <a:buSzPct val="45000"/>
-              <a:buFont typeface="Wingdings" charset="2"/>
-              <a:buChar char=""/>
-            </a:pPr>
-            <a:r>
-              <a:rPr b="0" lang="en-US" sz="1800" spc="-1" strike="noStrike">
-                <a:latin typeface="Arial"/>
-              </a:rPr>
-              <a:t>Third Outline Level</a:t>
-            </a:r>
-            <a:endParaRPr b="0" lang="en-US" sz="1800" spc="-1" strike="noStrike">
-              <a:latin typeface="Arial"/>
-            </a:endParaRPr>
-          </a:p>
-          <a:p>
-            <a:pPr lvl="3" marL="1728000" indent="-216000" algn="ctr">
-              <a:spcBef>
-                <a:spcPts val="567"/>
-              </a:spcBef>
-              <a:buClr>
-                <a:srgbClr val="000000"/>
-              </a:buClr>
-              <a:buSzPct val="75000"/>
-              <a:buFont typeface="Symbol" charset="2"/>
-              <a:buChar char=""/>
-            </a:pPr>
-            <a:r>
-              <a:rPr b="0" lang="en-US" sz="1800" spc="-1" strike="noStrike">
-                <a:latin typeface="Arial"/>
-              </a:rPr>
-              <a:t>Fourth Outline Level</a:t>
-            </a:r>
-            <a:endParaRPr b="0" lang="en-US" sz="1800" spc="-1" strike="noStrike">
-              <a:latin typeface="Arial"/>
-            </a:endParaRPr>
-          </a:p>
-          <a:p>
-            <a:pPr lvl="4" marL="2160000" indent="-216000" algn="ctr">
-              <a:spcBef>
-                <a:spcPts val="283"/>
-              </a:spcBef>
-              <a:buClr>
-                <a:srgbClr val="000000"/>
-              </a:buClr>
-              <a:buSzPct val="45000"/>
-              <a:buFont typeface="Wingdings" charset="2"/>
-              <a:buChar char=""/>
-            </a:pPr>
-            <a:r>
-              <a:rPr b="0" lang="en-US" sz="1800" spc="-1" strike="noStrike">
-                <a:latin typeface="Arial"/>
-              </a:rPr>
-              <a:t>Fifth Outline Level</a:t>
-            </a:r>
-            <a:endParaRPr b="0" lang="en-US" sz="1800" spc="-1" strike="noStrike">
-              <a:latin typeface="Arial"/>
-            </a:endParaRPr>
-          </a:p>
-          <a:p>
-            <a:pPr lvl="5" marL="2592000" indent="-216000" algn="ctr">
-              <a:spcBef>
-                <a:spcPts val="283"/>
-              </a:spcBef>
-              <a:buClr>
-                <a:srgbClr val="000000"/>
-              </a:buClr>
-              <a:buSzPct val="45000"/>
-              <a:buFont typeface="Wingdings" charset="2"/>
-              <a:buChar char=""/>
-            </a:pPr>
-            <a:r>
-              <a:rPr b="0" lang="en-US" sz="1800" spc="-1" strike="noStrike">
-                <a:latin typeface="Arial"/>
-              </a:rPr>
-              <a:t>Sixth Outline Level</a:t>
-            </a:r>
-            <a:endParaRPr b="0" lang="en-US" sz="1800" spc="-1" strike="noStrike">
-              <a:latin typeface="Arial"/>
-            </a:endParaRPr>
-          </a:p>
-          <a:p>
-            <a:pPr lvl="6" marL="3024000" indent="-216000" algn="ctr">
-              <a:spcBef>
-                <a:spcPts val="283"/>
-              </a:spcBef>
-              <a:buClr>
-                <a:srgbClr val="000000"/>
-              </a:buClr>
-              <a:buSzPct val="45000"/>
-              <a:buFont typeface="Wingdings" charset="2"/>
-              <a:buChar char=""/>
-            </a:pPr>
-            <a:r>
-              <a:rPr b="0" lang="en-US" sz="1800" spc="-1" strike="noStrike">
-                <a:latin typeface="Arial"/>
-              </a:rPr>
-              <a:t>Seventh Outline Level</a:t>
-            </a:r>
-            <a:endParaRPr b="0" lang="en-US" sz="1800" spc="-1" strike="noStrike">
-              <a:latin typeface="Arial"/>
-            </a:endParaRPr>
-          </a:p>
-        </p:txBody>
-      </p:sp>
     </p:spTree>
   </p:cSld>
   <p:clrMap bg1="lt1" bg2="lt2" tx1="dk1" tx2="dk2" accent1="accent1" accent2="accent2" accent3="accent3" accent4="accent4" accent5="accent5" accent6="accent6" hlink="hlink" folHlink="folHlink"/>
@@ -1647,14 +1431,14 @@
       </p:grpSpPr>
       <p:sp>
         <p:nvSpPr>
-          <p:cNvPr id="38" name="CustomShape 1"/>
+          <p:cNvPr id="36" name="CustomShape 1"/>
           <p:cNvSpPr/>
           <p:nvPr/>
         </p:nvSpPr>
         <p:spPr>
           <a:xfrm>
             <a:off x="3499920" y="20968200"/>
-            <a:ext cx="8638560" cy="2489760"/>
+            <a:ext cx="8638200" cy="2489400"/>
           </a:xfrm>
           <a:prstGeom prst="roundRect">
             <a:avLst>
@@ -1680,14 +1464,14 @@
       </p:sp>
       <p:sp>
         <p:nvSpPr>
-          <p:cNvPr id="39" name="CustomShape 2"/>
+          <p:cNvPr id="37" name="CustomShape 2"/>
           <p:cNvSpPr/>
           <p:nvPr/>
         </p:nvSpPr>
         <p:spPr>
           <a:xfrm>
             <a:off x="0" y="0"/>
-            <a:ext cx="1155960" cy="21382560"/>
+            <a:ext cx="1155600" cy="21382200"/>
           </a:xfrm>
           <a:prstGeom prst="rect">
             <a:avLst/>
@@ -1706,7 +1490,7 @@
           <a:fontRef idx="minor"/>
         </p:style>
         <p:txBody>
-          <a:bodyPr lIns="90000" rIns="90000" tIns="45000" bIns="45000" vert="vert270" rot="16200000">
+          <a:bodyPr lIns="45000" rIns="45000" tIns="90000" bIns="90000" vert="vert270" rot="16200000">
             <a:noAutofit/>
           </a:bodyPr>
           <a:p>
@@ -1755,14 +1539,14 @@
       </p:sp>
       <p:sp>
         <p:nvSpPr>
-          <p:cNvPr id="40" name="CustomShape 3"/>
+          <p:cNvPr id="38" name="CustomShape 3"/>
           <p:cNvSpPr/>
           <p:nvPr/>
         </p:nvSpPr>
         <p:spPr>
           <a:xfrm>
             <a:off x="1280160" y="273240"/>
-            <a:ext cx="11338560" cy="599760"/>
+            <a:ext cx="11338200" cy="599400"/>
           </a:xfrm>
           <a:prstGeom prst="rect">
             <a:avLst/>
@@ -1803,7 +1587,7 @@
                 <a:latin typeface="Calibri"/>
                 <a:ea typeface="DejaVu Sans"/>
               </a:rPr>
-              <a:t>Premios Campalanes 2021</a:t>
+              <a:t>Premios Campalans 2021</a:t>
             </a:r>
             <a:endParaRPr b="0" lang="en-US" sz="6000" spc="-1" strike="noStrike">
               <a:latin typeface="Arial"/>
@@ -1813,14 +1597,14 @@
       </p:sp>
       <p:sp>
         <p:nvSpPr>
-          <p:cNvPr id="41" name="CustomShape 4"/>
+          <p:cNvPr id="39" name="CustomShape 4"/>
           <p:cNvSpPr/>
           <p:nvPr/>
         </p:nvSpPr>
         <p:spPr>
           <a:xfrm>
             <a:off x="1371600" y="1329840"/>
-            <a:ext cx="11063880" cy="1870200"/>
+            <a:ext cx="11063520" cy="1869840"/>
           </a:xfrm>
           <a:prstGeom prst="rect">
             <a:avLst/>
@@ -1886,14 +1670,14 @@
       </p:sp>
       <p:sp>
         <p:nvSpPr>
-          <p:cNvPr id="42" name="CustomShape 5"/>
+          <p:cNvPr id="40" name="CustomShape 5"/>
           <p:cNvSpPr/>
           <p:nvPr/>
         </p:nvSpPr>
         <p:spPr>
           <a:xfrm>
             <a:off x="1364040" y="7498080"/>
-            <a:ext cx="2841840" cy="9052560"/>
+            <a:ext cx="2841480" cy="9052200"/>
           </a:xfrm>
           <a:prstGeom prst="rect">
             <a:avLst/>
@@ -2458,14 +2242,14 @@
       </p:sp>
       <p:sp>
         <p:nvSpPr>
-          <p:cNvPr id="43" name="CustomShape 6"/>
+          <p:cNvPr id="41" name="CustomShape 6"/>
           <p:cNvSpPr/>
           <p:nvPr/>
         </p:nvSpPr>
         <p:spPr>
           <a:xfrm>
             <a:off x="3895560" y="21015360"/>
-            <a:ext cx="8099280" cy="367200"/>
+            <a:ext cx="8098920" cy="366840"/>
           </a:xfrm>
           <a:prstGeom prst="rect">
             <a:avLst/>
@@ -2611,14 +2395,14 @@
       </p:sp>
       <p:sp>
         <p:nvSpPr>
-          <p:cNvPr id="44" name="CustomShape 7"/>
+          <p:cNvPr id="42" name="CustomShape 7"/>
           <p:cNvSpPr/>
           <p:nvPr/>
         </p:nvSpPr>
         <p:spPr>
           <a:xfrm>
             <a:off x="1364040" y="3452040"/>
-            <a:ext cx="8785440" cy="2965680"/>
+            <a:ext cx="8785080" cy="2965320"/>
           </a:xfrm>
           <a:prstGeom prst="rect">
             <a:avLst/>
@@ -2743,14 +2527,14 @@
       </p:sp>
       <p:sp>
         <p:nvSpPr>
-          <p:cNvPr id="45" name="CustomShape 8"/>
+          <p:cNvPr id="43" name="CustomShape 8"/>
           <p:cNvSpPr/>
           <p:nvPr/>
         </p:nvSpPr>
         <p:spPr>
           <a:xfrm>
             <a:off x="4579560" y="7088760"/>
-            <a:ext cx="10068840" cy="5255280"/>
+            <a:ext cx="10068480" cy="5254920"/>
           </a:xfrm>
           <a:prstGeom prst="rect">
             <a:avLst/>
@@ -2897,19 +2681,19 @@
       </p:sp>
       <p:pic>
         <p:nvPicPr>
-          <p:cNvPr id="46" name="Imagen 15" descr=""/>
+          <p:cNvPr id="44" name="Imagen 15" descr=""/>
           <p:cNvPicPr/>
           <p:nvPr/>
         </p:nvPicPr>
         <p:blipFill>
           <a:blip r:embed="rId1"/>
-          <a:srcRect l="0" t="0" r="70314" b="0"/>
+          <a:srcRect l="0" t="0" r="70301" b="0"/>
           <a:stretch/>
         </p:blipFill>
         <p:spPr>
           <a:xfrm>
             <a:off x="13015800" y="273240"/>
-            <a:ext cx="2011320" cy="3265920"/>
+            <a:ext cx="2010960" cy="3265560"/>
           </a:xfrm>
           <a:prstGeom prst="rect">
             <a:avLst/>
@@ -2921,7 +2705,7 @@
       </p:pic>
       <p:pic>
         <p:nvPicPr>
-          <p:cNvPr id="47" name="Imagen 19" descr=""/>
+          <p:cNvPr id="45" name="Imagen 19" descr=""/>
           <p:cNvPicPr/>
           <p:nvPr/>
         </p:nvPicPr>
@@ -2932,7 +2716,7 @@
         <p:spPr>
           <a:xfrm>
             <a:off x="3151080" y="13258800"/>
-            <a:ext cx="323280" cy="298800"/>
+            <a:ext cx="322920" cy="298440"/>
           </a:xfrm>
           <a:prstGeom prst="rect">
             <a:avLst/>
@@ -2944,7 +2728,7 @@
       </p:pic>
       <p:pic>
         <p:nvPicPr>
-          <p:cNvPr id="48" name="Imagen 20" descr=""/>
+          <p:cNvPr id="46" name="Imagen 20" descr=""/>
           <p:cNvPicPr/>
           <p:nvPr/>
         </p:nvPicPr>
@@ -2955,7 +2739,7 @@
         <p:spPr>
           <a:xfrm>
             <a:off x="3108960" y="14264640"/>
-            <a:ext cx="358200" cy="358200"/>
+            <a:ext cx="357840" cy="357840"/>
           </a:xfrm>
           <a:prstGeom prst="rect">
             <a:avLst/>
@@ -2967,14 +2751,14 @@
       </p:pic>
       <p:sp>
         <p:nvSpPr>
-          <p:cNvPr id="49" name="CustomShape 9"/>
+          <p:cNvPr id="47" name="CustomShape 9"/>
           <p:cNvSpPr/>
           <p:nvPr/>
         </p:nvSpPr>
         <p:spPr>
           <a:xfrm>
             <a:off x="4555440" y="12193560"/>
-            <a:ext cx="4629960" cy="5269680"/>
+            <a:ext cx="4629600" cy="5269320"/>
           </a:xfrm>
           <a:prstGeom prst="rect">
             <a:avLst/>
@@ -2993,14 +2777,14 @@
       </p:sp>
       <p:sp>
         <p:nvSpPr>
-          <p:cNvPr id="50" name="CustomShape 10"/>
+          <p:cNvPr id="48" name="CustomShape 10"/>
           <p:cNvSpPr/>
           <p:nvPr/>
         </p:nvSpPr>
         <p:spPr>
           <a:xfrm>
             <a:off x="155520" y="-144360"/>
-            <a:ext cx="303840" cy="303840"/>
+            <a:ext cx="303480" cy="303480"/>
           </a:xfrm>
           <a:prstGeom prst="rect">
             <a:avLst/>
@@ -3019,14 +2803,14 @@
       </p:sp>
       <p:sp>
         <p:nvSpPr>
-          <p:cNvPr id="51" name="CustomShape 11"/>
+          <p:cNvPr id="49" name="CustomShape 11"/>
           <p:cNvSpPr/>
           <p:nvPr/>
         </p:nvSpPr>
         <p:spPr>
           <a:xfrm>
             <a:off x="4579560" y="7719120"/>
-            <a:ext cx="9318600" cy="4167720"/>
+            <a:ext cx="9318240" cy="4167360"/>
           </a:xfrm>
           <a:prstGeom prst="rect">
             <a:avLst/>
@@ -3060,7 +2844,7 @@
                 <a:latin typeface="Arial"/>
                 <a:ea typeface="DejaVu Sans"/>
               </a:rPr>
-              <a:t>Una investigación en profundidad para averiguar qué es, cómo funciona y cómo instalar Jenkins, también tuvo que investigar la configuración e implementación con Sonarqube.</a:t>
+              <a:t>Una investigación en profundidad para averiguar qué es, cómo funciona y cómo instalar Jenkins, también se tuvo que investigar la configuración e implementación con Sonarqube.</a:t>
             </a:r>
             <a:endParaRPr b="0" lang="en-US" sz="2400" spc="-1" strike="noStrike">
               <a:latin typeface="Arial"/>
@@ -3220,7 +3004,7 @@
       </p:sp>
       <p:pic>
         <p:nvPicPr>
-          <p:cNvPr id="52" name="" descr=""/>
+          <p:cNvPr id="50" name="" descr=""/>
           <p:cNvPicPr/>
           <p:nvPr/>
         </p:nvPicPr>
@@ -3231,7 +3015,7 @@
         <p:spPr>
           <a:xfrm>
             <a:off x="10557360" y="4572000"/>
-            <a:ext cx="4072680" cy="1310760"/>
+            <a:ext cx="4072320" cy="1310400"/>
           </a:xfrm>
           <a:prstGeom prst="rect">
             <a:avLst/>
@@ -3246,7 +3030,7 @@
       </p:pic>
       <p:pic>
         <p:nvPicPr>
-          <p:cNvPr id="53" name="" descr=""/>
+          <p:cNvPr id="51" name="" descr=""/>
           <p:cNvPicPr/>
           <p:nvPr/>
         </p:nvPicPr>
@@ -3256,8 +3040,8 @@
         </p:blipFill>
         <p:spPr>
           <a:xfrm>
-            <a:off x="4663440" y="12801600"/>
-            <a:ext cx="9235080" cy="4847040"/>
+            <a:off x="4664160" y="12616200"/>
+            <a:ext cx="9234720" cy="4846680"/>
           </a:xfrm>
           <a:prstGeom prst="rect">
             <a:avLst/>
@@ -3272,14 +3056,14 @@
       </p:pic>
       <p:sp>
         <p:nvSpPr>
-          <p:cNvPr id="54" name="CustomShape 12"/>
+          <p:cNvPr id="52" name="CustomShape 12"/>
           <p:cNvSpPr/>
           <p:nvPr/>
         </p:nvSpPr>
         <p:spPr>
           <a:xfrm>
             <a:off x="4663440" y="18613440"/>
-            <a:ext cx="9235080" cy="497160"/>
+            <a:ext cx="9234720" cy="496800"/>
           </a:xfrm>
           <a:prstGeom prst="rect">
             <a:avLst/>
@@ -3330,14 +3114,14 @@
       </p:sp>
       <p:sp>
         <p:nvSpPr>
-          <p:cNvPr id="55" name="CustomShape 13"/>
+          <p:cNvPr id="53" name="CustomShape 13"/>
           <p:cNvSpPr/>
           <p:nvPr/>
         </p:nvSpPr>
         <p:spPr>
           <a:xfrm>
             <a:off x="4572000" y="19202400"/>
-            <a:ext cx="9326520" cy="1645560"/>
+            <a:ext cx="9326160" cy="1645200"/>
           </a:xfrm>
           <a:prstGeom prst="rect">
             <a:avLst/>
@@ -3365,7 +3149,11 @@
             </a:pPr>
             <a:r>
               <a:rPr b="0" lang="en-US" sz="2400" spc="-1" strike="noStrike">
+                <a:solidFill>
+                  <a:srgbClr val="000000"/>
+                </a:solidFill>
                 <a:latin typeface="Arial"/>
+                <a:ea typeface="DejaVu Sans"/>
               </a:rPr>
               <a:t>Gracias a este proyecto facilitará el trabajo de aquellas personas que tienen que pasar horas corrigiendo un programa, con un solo botón podrá ver el resultado de evalluación de cada código.</a:t>
             </a:r>
@@ -3385,6 +3173,29 @@
           </a:p>
         </p:txBody>
       </p:sp>
+      <p:pic>
+        <p:nvPicPr>
+          <p:cNvPr id="54" name="" descr=""/>
+          <p:cNvPicPr/>
+          <p:nvPr/>
+        </p:nvPicPr>
+        <p:blipFill>
+          <a:blip r:embed="rId6"/>
+          <a:stretch/>
+        </p:blipFill>
+        <p:spPr>
+          <a:xfrm>
+            <a:off x="1371600" y="17465040"/>
+            <a:ext cx="3108960" cy="3108960"/>
+          </a:xfrm>
+          <a:prstGeom prst="rect">
+            <a:avLst/>
+          </a:prstGeom>
+          <a:ln>
+            <a:noFill/>
+          </a:ln>
+        </p:spPr>
+      </p:pic>
     </p:spTree>
   </p:cSld>
   <mc:AlternateContent>
